--- a/607/week11/Google Search Recommendation.pptx
+++ b/607/week11/Google Search Recommendation.pptx
@@ -13244,17 +13244,18 @@
             <a:pPr lvl="1"/>
             <a:r>
               <a:rPr lang="en-US" dirty="0"/>
-              <a:t>Any user who is trying to find some info from web. </a:t>
+              <a:t>Any user who is trying to find some info from the web. </a:t>
             </a:r>
           </a:p>
           <a:p>
             <a:pPr lvl="1"/>
             <a:r>
               <a:rPr lang="en-US" dirty="0"/>
-              <a:t>This include big segment of user base, organization ,  education , Government and many more.</a:t>
-            </a:r>
-          </a:p>
-          <a:p>
+              <a:t>This includes a big segment of the user base, organization, education, Government and many more.</a:t>
+            </a:r>
+          </a:p>
+          <a:p>
+            <a:pPr lvl="1"/>
             <a:endParaRPr lang="en-US" dirty="0"/>
           </a:p>
           <a:p>
@@ -13267,7 +13268,7 @@
             <a:pPr lvl="1"/>
             <a:r>
               <a:rPr lang="en-US" dirty="0"/>
-              <a:t>User’s searching on Google should get most relevant information. </a:t>
+              <a:t>User’s searching on Google should get the most relevant information. </a:t>
             </a:r>
           </a:p>
           <a:p>
@@ -13281,46 +13282,35 @@
             <a:pPr lvl="1"/>
             <a:r>
               <a:rPr lang="en-US" dirty="0"/>
-              <a:t>User should be able to find most relevant info without scrolling too much. </a:t>
+              <a:t>The user should be able to find the most relevant info without scrolling too much. </a:t>
             </a:r>
             <a:br>
               <a:rPr lang="en-US" dirty="0"/>
             </a:br>
             <a:r>
               <a:rPr lang="en-US" dirty="0"/>
-              <a:t>That’s why we see lots competition for ranking on 1</a:t>
-            </a:r>
-            <a:r>
-              <a:rPr lang="en-US" baseline="30000" dirty="0"/>
-              <a:t>st</a:t>
-            </a:r>
+              <a:t>That’s why we see lots of competition for ranking on 1st page of Google . for </a:t>
+            </a:r>
+          </a:p>
+          <a:p>
+            <a:pPr lvl="1"/>
             <a:r>
               <a:rPr lang="en-US" dirty="0"/>
-              <a:t> page of google . for </a:t>
+              <a:t>Able to propose /predict possible search term in case of ambiguity in the first search </a:t>
+            </a:r>
+          </a:p>
+          <a:p>
+            <a:r>
+              <a:rPr lang="en-US" dirty="0"/>
+              <a:t>How can Google help its users accomplish those goals?</a:t>
             </a:r>
           </a:p>
           <a:p>
             <a:pPr lvl="1"/>
             <a:r>
               <a:rPr lang="en-US" dirty="0"/>
-              <a:t>Able to propose /predict possible search term in case of ambiguity in  first search </a:t>
-            </a:r>
-          </a:p>
-          <a:p>
-            <a:r>
-              <a:rPr lang="en-US" dirty="0"/>
-              <a:t>How can Google help their users accomplish those goals?</a:t>
-            </a:r>
-          </a:p>
-          <a:p>
-            <a:pPr lvl="1"/>
-            <a:r>
-              <a:rPr lang="en-US" dirty="0"/>
-              <a:t>Google is using traditional / Machine Learning both content based and Collaborative to predicts and recommend search terms  </a:t>
-            </a:r>
-          </a:p>
-          <a:p>
-            <a:endParaRPr lang="en-US" dirty="0"/>
+              <a:t>Google is using traditional / Machine Learning both content-based and Collaborative to predicts and recommends search terms </a:t>
+            </a:r>
           </a:p>
         </p:txBody>
       </p:sp>

--- a/607/week11/Google Search Recommendation.pptx
+++ b/607/week11/Google Search Recommendation.pptx
@@ -18,6 +18,8 @@
     <p:sldId id="264" r:id="rId12"/>
     <p:sldId id="273" r:id="rId13"/>
     <p:sldId id="265" r:id="rId14"/>
+    <p:sldId id="275" r:id="rId15"/>
+    <p:sldId id="276" r:id="rId16"/>
   </p:sldIdLst>
   <p:sldSz cx="12192000" cy="6858000"/>
   <p:notesSz cx="6858000" cy="9144000"/>
@@ -1335,7 +1337,7 @@
           <a:p>
             <a:fld id="{F0D33C26-DE20-47B0-ABEF-02943F22DEB8}" type="datetimeFigureOut">
               <a:rPr lang="en-US" smtClean="0"/>
-              <a:t>4/13/2019</a:t>
+              <a:t>4/15/2019</a:t>
             </a:fld>
             <a:endParaRPr lang="en-US"/>
           </a:p>
@@ -1578,7 +1580,7 @@
           <a:p>
             <a:fld id="{F0D33C26-DE20-47B0-ABEF-02943F22DEB8}" type="datetimeFigureOut">
               <a:rPr lang="en-US" smtClean="0"/>
-              <a:t>4/13/2019</a:t>
+              <a:t>4/15/2019</a:t>
             </a:fld>
             <a:endParaRPr lang="en-US"/>
           </a:p>
@@ -1758,7 +1760,7 @@
           <a:p>
             <a:fld id="{F0D33C26-DE20-47B0-ABEF-02943F22DEB8}" type="datetimeFigureOut">
               <a:rPr lang="en-US" smtClean="0"/>
-              <a:t>4/13/2019</a:t>
+              <a:t>4/15/2019</a:t>
             </a:fld>
             <a:endParaRPr lang="en-US"/>
           </a:p>
@@ -1928,7 +1930,7 @@
           <a:p>
             <a:fld id="{F0D33C26-DE20-47B0-ABEF-02943F22DEB8}" type="datetimeFigureOut">
               <a:rPr lang="en-US" smtClean="0"/>
-              <a:t>4/13/2019</a:t>
+              <a:t>4/15/2019</a:t>
             </a:fld>
             <a:endParaRPr lang="en-US"/>
           </a:p>
@@ -2204,7 +2206,7 @@
           <a:p>
             <a:fld id="{F0D33C26-DE20-47B0-ABEF-02943F22DEB8}" type="datetimeFigureOut">
               <a:rPr lang="en-US" smtClean="0"/>
-              <a:t>4/13/2019</a:t>
+              <a:t>4/15/2019</a:t>
             </a:fld>
             <a:endParaRPr lang="en-US"/>
           </a:p>
@@ -3405,7 +3407,7 @@
           <a:p>
             <a:fld id="{F0D33C26-DE20-47B0-ABEF-02943F22DEB8}" type="datetimeFigureOut">
               <a:rPr lang="en-US" smtClean="0"/>
-              <a:t>4/13/2019</a:t>
+              <a:t>4/15/2019</a:t>
             </a:fld>
             <a:endParaRPr lang="en-US"/>
           </a:p>
@@ -3795,7 +3797,7 @@
           <a:p>
             <a:fld id="{F0D33C26-DE20-47B0-ABEF-02943F22DEB8}" type="datetimeFigureOut">
               <a:rPr lang="en-US" smtClean="0"/>
-              <a:t>4/13/2019</a:t>
+              <a:t>4/15/2019</a:t>
             </a:fld>
             <a:endParaRPr lang="en-US"/>
           </a:p>
@@ -3918,7 +3920,7 @@
           <a:p>
             <a:fld id="{F0D33C26-DE20-47B0-ABEF-02943F22DEB8}" type="datetimeFigureOut">
               <a:rPr lang="en-US" smtClean="0"/>
-              <a:t>4/13/2019</a:t>
+              <a:t>4/15/2019</a:t>
             </a:fld>
             <a:endParaRPr lang="en-US"/>
           </a:p>
@@ -4013,7 +4015,7 @@
           <a:p>
             <a:fld id="{F0D33C26-DE20-47B0-ABEF-02943F22DEB8}" type="datetimeFigureOut">
               <a:rPr lang="en-US" smtClean="0"/>
-              <a:t>4/13/2019</a:t>
+              <a:t>4/15/2019</a:t>
             </a:fld>
             <a:endParaRPr lang="en-US"/>
           </a:p>
@@ -4781,7 +4783,7 @@
           <a:p>
             <a:fld id="{F0D33C26-DE20-47B0-ABEF-02943F22DEB8}" type="datetimeFigureOut">
               <a:rPr lang="en-US" smtClean="0"/>
-              <a:t>4/13/2019</a:t>
+              <a:t>4/15/2019</a:t>
             </a:fld>
             <a:endParaRPr lang="en-US"/>
           </a:p>
@@ -5621,7 +5623,7 @@
           <a:p>
             <a:fld id="{F0D33C26-DE20-47B0-ABEF-02943F22DEB8}" type="datetimeFigureOut">
               <a:rPr lang="en-US" smtClean="0"/>
-              <a:t>4/13/2019</a:t>
+              <a:t>4/15/2019</a:t>
             </a:fld>
             <a:endParaRPr lang="en-US"/>
           </a:p>
@@ -5848,7 +5850,7 @@
           <a:p>
             <a:fld id="{F0D33C26-DE20-47B0-ABEF-02943F22DEB8}" type="datetimeFigureOut">
               <a:rPr lang="en-US" smtClean="0"/>
-              <a:t>4/13/2019</a:t>
+              <a:t>4/15/2019</a:t>
             </a:fld>
             <a:endParaRPr lang="en-US"/>
           </a:p>
@@ -9638,6 +9640,834 @@
 </p:sld>
 </file>
 
+<file path=ppt/slides/slide14.xml><?xml version="1.0" encoding="utf-8"?>
+<p:sld xmlns:a="http://schemas.openxmlformats.org/drawingml/2006/main" xmlns:r="http://schemas.openxmlformats.org/officeDocument/2006/relationships" xmlns:p="http://schemas.openxmlformats.org/presentationml/2006/main">
+  <p:cSld>
+    <p:spTree>
+      <p:nvGrpSpPr>
+        <p:cNvPr id="1" name=""/>
+        <p:cNvGrpSpPr/>
+        <p:nvPr/>
+      </p:nvGrpSpPr>
+      <p:grpSpPr>
+        <a:xfrm>
+          <a:off x="0" y="0"/>
+          <a:ext cx="0" cy="0"/>
+          <a:chOff x="0" y="0"/>
+          <a:chExt cx="0" cy="0"/>
+        </a:xfrm>
+      </p:grpSpPr>
+      <p:sp>
+        <p:nvSpPr>
+          <p:cNvPr id="4" name="Rectangle 3">
+            <a:extLst>
+              <a:ext uri="{FF2B5EF4-FFF2-40B4-BE49-F238E27FC236}">
+                <a16:creationId xmlns:a16="http://schemas.microsoft.com/office/drawing/2014/main" id="{8A2ABE40-D0E1-41AA-8EE9-A1D02BABABBF}"/>
+              </a:ext>
+            </a:extLst>
+          </p:cNvPr>
+          <p:cNvSpPr/>
+          <p:nvPr/>
+        </p:nvSpPr>
+        <p:spPr>
+          <a:xfrm>
+            <a:off x="3048000" y="3105835"/>
+            <a:ext cx="6096000" cy="646331"/>
+          </a:xfrm>
+          <a:prstGeom prst="rect">
+            <a:avLst/>
+          </a:prstGeom>
+        </p:spPr>
+        <p:txBody>
+          <a:bodyPr>
+            <a:spAutoFit/>
+          </a:bodyPr>
+          <a:lstStyle/>
+          <a:p>
+            <a:r>
+              <a:rPr lang="en-US" dirty="0">
+                <a:hlinkClick r:id="rId2"/>
+              </a:rPr>
+              <a:t>https://www.theguardian.com/technology/2019/feb/06/whatsapp-deleting-two-million-accounts-per-month-to-stop-fake-news</a:t>
+            </a:r>
+            <a:endParaRPr lang="en-US" dirty="0"/>
+          </a:p>
+        </p:txBody>
+      </p:sp>
+    </p:spTree>
+    <p:extLst>
+      <p:ext uri="{BB962C8B-B14F-4D97-AF65-F5344CB8AC3E}">
+        <p14:creationId xmlns:p14="http://schemas.microsoft.com/office/powerpoint/2010/main" val="3409448165"/>
+      </p:ext>
+    </p:extLst>
+  </p:cSld>
+  <p:clrMapOvr>
+    <a:masterClrMapping/>
+  </p:clrMapOvr>
+</p:sld>
+</file>
+
+<file path=ppt/slides/slide15.xml><?xml version="1.0" encoding="utf-8"?>
+<p:sld xmlns:a="http://schemas.openxmlformats.org/drawingml/2006/main" xmlns:r="http://schemas.openxmlformats.org/officeDocument/2006/relationships" xmlns:p="http://schemas.openxmlformats.org/presentationml/2006/main">
+  <p:cSld>
+    <p:spTree>
+      <p:nvGrpSpPr>
+        <p:cNvPr id="1" name=""/>
+        <p:cNvGrpSpPr/>
+        <p:nvPr/>
+      </p:nvGrpSpPr>
+      <p:grpSpPr>
+        <a:xfrm>
+          <a:off x="0" y="0"/>
+          <a:ext cx="0" cy="0"/>
+          <a:chOff x="0" y="0"/>
+          <a:chExt cx="0" cy="0"/>
+        </a:xfrm>
+      </p:grpSpPr>
+      <p:sp>
+        <p:nvSpPr>
+          <p:cNvPr id="2" name="Oval 1">
+            <a:extLst>
+              <a:ext uri="{FF2B5EF4-FFF2-40B4-BE49-F238E27FC236}">
+                <a16:creationId xmlns:a16="http://schemas.microsoft.com/office/drawing/2014/main" id="{F6458052-FD85-4911-9DF2-1ACCC10119D3}"/>
+              </a:ext>
+            </a:extLst>
+          </p:cNvPr>
+          <p:cNvSpPr/>
+          <p:nvPr/>
+        </p:nvSpPr>
+        <p:spPr>
+          <a:xfrm>
+            <a:off x="7309608" y="225279"/>
+            <a:ext cx="679510" cy="708871"/>
+          </a:xfrm>
+          <a:prstGeom prst="ellipse">
+            <a:avLst/>
+          </a:prstGeom>
+        </p:spPr>
+        <p:style>
+          <a:lnRef idx="2">
+            <a:schemeClr val="accent1">
+              <a:shade val="50000"/>
+            </a:schemeClr>
+          </a:lnRef>
+          <a:fillRef idx="1">
+            <a:schemeClr val="accent1"/>
+          </a:fillRef>
+          <a:effectRef idx="0">
+            <a:schemeClr val="accent1"/>
+          </a:effectRef>
+          <a:fontRef idx="minor">
+            <a:schemeClr val="lt1"/>
+          </a:fontRef>
+        </p:style>
+        <p:txBody>
+          <a:bodyPr rtlCol="0" anchor="ctr"/>
+          <a:lstStyle/>
+          <a:p>
+            <a:pPr algn="ctr"/>
+            <a:r>
+              <a:rPr lang="en-US" dirty="0"/>
+              <a:t>G</a:t>
+            </a:r>
+          </a:p>
+        </p:txBody>
+      </p:sp>
+      <p:sp>
+        <p:nvSpPr>
+          <p:cNvPr id="4" name="Oval 3">
+            <a:extLst>
+              <a:ext uri="{FF2B5EF4-FFF2-40B4-BE49-F238E27FC236}">
+                <a16:creationId xmlns:a16="http://schemas.microsoft.com/office/drawing/2014/main" id="{DBA9D39A-9BAE-49FD-8B20-844F8EB48DD7}"/>
+              </a:ext>
+            </a:extLst>
+          </p:cNvPr>
+          <p:cNvSpPr/>
+          <p:nvPr/>
+        </p:nvSpPr>
+        <p:spPr>
+          <a:xfrm>
+            <a:off x="9373999" y="943236"/>
+            <a:ext cx="973123" cy="947956"/>
+          </a:xfrm>
+          <a:prstGeom prst="ellipse">
+            <a:avLst/>
+          </a:prstGeom>
+        </p:spPr>
+        <p:style>
+          <a:lnRef idx="2">
+            <a:schemeClr val="accent1">
+              <a:shade val="50000"/>
+            </a:schemeClr>
+          </a:lnRef>
+          <a:fillRef idx="1">
+            <a:schemeClr val="accent1"/>
+          </a:fillRef>
+          <a:effectRef idx="0">
+            <a:schemeClr val="accent1"/>
+          </a:effectRef>
+          <a:fontRef idx="minor">
+            <a:schemeClr val="lt1"/>
+          </a:fontRef>
+        </p:style>
+        <p:txBody>
+          <a:bodyPr rtlCol="0" anchor="ctr"/>
+          <a:lstStyle/>
+          <a:p>
+            <a:pPr algn="ctr"/>
+            <a:r>
+              <a:rPr lang="en-US" dirty="0"/>
+              <a:t>G</a:t>
+            </a:r>
+          </a:p>
+        </p:txBody>
+      </p:sp>
+      <p:sp>
+        <p:nvSpPr>
+          <p:cNvPr id="5" name="Oval 4">
+            <a:extLst>
+              <a:ext uri="{FF2B5EF4-FFF2-40B4-BE49-F238E27FC236}">
+                <a16:creationId xmlns:a16="http://schemas.microsoft.com/office/drawing/2014/main" id="{6FBF0D84-5F33-4939-9692-DC422F3D176A}"/>
+              </a:ext>
+            </a:extLst>
+          </p:cNvPr>
+          <p:cNvSpPr/>
+          <p:nvPr/>
+        </p:nvSpPr>
+        <p:spPr>
+          <a:xfrm>
+            <a:off x="6996419" y="1338045"/>
+            <a:ext cx="1073791" cy="947956"/>
+          </a:xfrm>
+          <a:prstGeom prst="ellipse">
+            <a:avLst/>
+          </a:prstGeom>
+        </p:spPr>
+        <p:style>
+          <a:lnRef idx="2">
+            <a:schemeClr val="accent1">
+              <a:shade val="50000"/>
+            </a:schemeClr>
+          </a:lnRef>
+          <a:fillRef idx="1">
+            <a:schemeClr val="accent1"/>
+          </a:fillRef>
+          <a:effectRef idx="0">
+            <a:schemeClr val="accent1"/>
+          </a:effectRef>
+          <a:fontRef idx="minor">
+            <a:schemeClr val="lt1"/>
+          </a:fontRef>
+        </p:style>
+        <p:txBody>
+          <a:bodyPr rtlCol="0" anchor="ctr"/>
+          <a:lstStyle/>
+          <a:p>
+            <a:pPr algn="ctr"/>
+            <a:endParaRPr lang="en-US"/>
+          </a:p>
+        </p:txBody>
+      </p:sp>
+      <p:sp>
+        <p:nvSpPr>
+          <p:cNvPr id="6" name="Oval 5">
+            <a:extLst>
+              <a:ext uri="{FF2B5EF4-FFF2-40B4-BE49-F238E27FC236}">
+                <a16:creationId xmlns:a16="http://schemas.microsoft.com/office/drawing/2014/main" id="{D0E1984A-AB6D-4A0D-850E-E76615A82D8A}"/>
+              </a:ext>
+            </a:extLst>
+          </p:cNvPr>
+          <p:cNvSpPr/>
+          <p:nvPr/>
+        </p:nvSpPr>
+        <p:spPr>
+          <a:xfrm>
+            <a:off x="7894039" y="2644983"/>
+            <a:ext cx="1073791" cy="947956"/>
+          </a:xfrm>
+          <a:prstGeom prst="ellipse">
+            <a:avLst/>
+          </a:prstGeom>
+        </p:spPr>
+        <p:style>
+          <a:lnRef idx="2">
+            <a:schemeClr val="accent1">
+              <a:shade val="50000"/>
+            </a:schemeClr>
+          </a:lnRef>
+          <a:fillRef idx="1">
+            <a:schemeClr val="accent1"/>
+          </a:fillRef>
+          <a:effectRef idx="0">
+            <a:schemeClr val="accent1"/>
+          </a:effectRef>
+          <a:fontRef idx="minor">
+            <a:schemeClr val="lt1"/>
+          </a:fontRef>
+        </p:style>
+        <p:txBody>
+          <a:bodyPr rtlCol="0" anchor="ctr"/>
+          <a:lstStyle/>
+          <a:p>
+            <a:pPr algn="ctr"/>
+            <a:endParaRPr lang="en-US"/>
+          </a:p>
+        </p:txBody>
+      </p:sp>
+      <p:sp>
+        <p:nvSpPr>
+          <p:cNvPr id="7" name="Oval 6">
+            <a:extLst>
+              <a:ext uri="{FF2B5EF4-FFF2-40B4-BE49-F238E27FC236}">
+                <a16:creationId xmlns:a16="http://schemas.microsoft.com/office/drawing/2014/main" id="{3E1B8BD3-D73F-4A1B-BD4F-D3683A2CBBDB}"/>
+              </a:ext>
+            </a:extLst>
+          </p:cNvPr>
+          <p:cNvSpPr/>
+          <p:nvPr/>
+        </p:nvSpPr>
+        <p:spPr>
+          <a:xfrm>
+            <a:off x="4848836" y="5415095"/>
+            <a:ext cx="1073791" cy="947956"/>
+          </a:xfrm>
+          <a:prstGeom prst="ellipse">
+            <a:avLst/>
+          </a:prstGeom>
+        </p:spPr>
+        <p:style>
+          <a:lnRef idx="2">
+            <a:schemeClr val="accent1">
+              <a:shade val="50000"/>
+            </a:schemeClr>
+          </a:lnRef>
+          <a:fillRef idx="1">
+            <a:schemeClr val="accent1"/>
+          </a:fillRef>
+          <a:effectRef idx="0">
+            <a:schemeClr val="accent1"/>
+          </a:effectRef>
+          <a:fontRef idx="minor">
+            <a:schemeClr val="lt1"/>
+          </a:fontRef>
+        </p:style>
+        <p:txBody>
+          <a:bodyPr rtlCol="0" anchor="ctr"/>
+          <a:lstStyle/>
+          <a:p>
+            <a:pPr algn="ctr"/>
+            <a:endParaRPr lang="en-US"/>
+          </a:p>
+        </p:txBody>
+      </p:sp>
+      <p:pic>
+        <p:nvPicPr>
+          <p:cNvPr id="9" name="Graphic 8" descr="Smiling face with no fill">
+            <a:extLst>
+              <a:ext uri="{FF2B5EF4-FFF2-40B4-BE49-F238E27FC236}">
+                <a16:creationId xmlns:a16="http://schemas.microsoft.com/office/drawing/2014/main" id="{D0590881-E8CD-454C-9361-62470D48E4D9}"/>
+              </a:ext>
+            </a:extLst>
+          </p:cNvPr>
+          <p:cNvPicPr>
+            <a:picLocks noChangeAspect="1"/>
+          </p:cNvPicPr>
+          <p:nvPr/>
+        </p:nvPicPr>
+        <p:blipFill>
+          <a:blip r:embed="rId2">
+            <a:extLst>
+              <a:ext uri="{28A0092B-C50C-407E-A947-70E740481C1C}">
+                <a14:useLocalDpi xmlns:a14="http://schemas.microsoft.com/office/drawing/2010/main" val="0"/>
+              </a:ext>
+              <a:ext uri="{96DAC541-7B7A-43D3-8B79-37D633B846F1}">
+                <asvg:svgBlip xmlns:asvg="http://schemas.microsoft.com/office/drawing/2016/SVG/main" r:embed="rId3"/>
+              </a:ext>
+            </a:extLst>
+          </a:blip>
+          <a:stretch>
+            <a:fillRect/>
+          </a:stretch>
+        </p:blipFill>
+        <p:spPr>
+          <a:xfrm>
+            <a:off x="1491842" y="1258522"/>
+            <a:ext cx="317384" cy="317384"/>
+          </a:xfrm>
+          <a:prstGeom prst="rect">
+            <a:avLst/>
+          </a:prstGeom>
+        </p:spPr>
+      </p:pic>
+      <p:pic>
+        <p:nvPicPr>
+          <p:cNvPr id="10" name="Graphic 9" descr="Smiling face with no fill">
+            <a:extLst>
+              <a:ext uri="{FF2B5EF4-FFF2-40B4-BE49-F238E27FC236}">
+                <a16:creationId xmlns:a16="http://schemas.microsoft.com/office/drawing/2014/main" id="{2A1BAAAA-4A77-4077-B906-CDBD6607A89F}"/>
+              </a:ext>
+            </a:extLst>
+          </p:cNvPr>
+          <p:cNvPicPr>
+            <a:picLocks noChangeAspect="1"/>
+          </p:cNvPicPr>
+          <p:nvPr/>
+        </p:nvPicPr>
+        <p:blipFill>
+          <a:blip r:embed="rId2">
+            <a:extLst>
+              <a:ext uri="{28A0092B-C50C-407E-A947-70E740481C1C}">
+                <a14:useLocalDpi xmlns:a14="http://schemas.microsoft.com/office/drawing/2010/main" val="0"/>
+              </a:ext>
+              <a:ext uri="{96DAC541-7B7A-43D3-8B79-37D633B846F1}">
+                <asvg:svgBlip xmlns:asvg="http://schemas.microsoft.com/office/drawing/2016/SVG/main" r:embed="rId3"/>
+              </a:ext>
+            </a:extLst>
+          </a:blip>
+          <a:stretch>
+            <a:fillRect/>
+          </a:stretch>
+        </p:blipFill>
+        <p:spPr>
+          <a:xfrm>
+            <a:off x="1091268" y="360728"/>
+            <a:ext cx="317384" cy="317384"/>
+          </a:xfrm>
+          <a:prstGeom prst="rect">
+            <a:avLst/>
+          </a:prstGeom>
+        </p:spPr>
+      </p:pic>
+      <p:pic>
+        <p:nvPicPr>
+          <p:cNvPr id="11" name="Graphic 10" descr="Smiling face with no fill">
+            <a:extLst>
+              <a:ext uri="{FF2B5EF4-FFF2-40B4-BE49-F238E27FC236}">
+                <a16:creationId xmlns:a16="http://schemas.microsoft.com/office/drawing/2014/main" id="{924665C0-B2D3-43BB-9CF0-C0D959A829B6}"/>
+              </a:ext>
+            </a:extLst>
+          </p:cNvPr>
+          <p:cNvPicPr>
+            <a:picLocks noChangeAspect="1"/>
+          </p:cNvPicPr>
+          <p:nvPr/>
+        </p:nvPicPr>
+        <p:blipFill>
+          <a:blip r:embed="rId2">
+            <a:extLst>
+              <a:ext uri="{28A0092B-C50C-407E-A947-70E740481C1C}">
+                <a14:useLocalDpi xmlns:a14="http://schemas.microsoft.com/office/drawing/2010/main" val="0"/>
+              </a:ext>
+              <a:ext uri="{96DAC541-7B7A-43D3-8B79-37D633B846F1}">
+                <asvg:svgBlip xmlns:asvg="http://schemas.microsoft.com/office/drawing/2016/SVG/main" r:embed="rId3"/>
+              </a:ext>
+            </a:extLst>
+          </a:blip>
+          <a:stretch>
+            <a:fillRect/>
+          </a:stretch>
+        </p:blipFill>
+        <p:spPr>
+          <a:xfrm>
+            <a:off x="1310779" y="519420"/>
+            <a:ext cx="317384" cy="317384"/>
+          </a:xfrm>
+          <a:prstGeom prst="rect">
+            <a:avLst/>
+          </a:prstGeom>
+        </p:spPr>
+      </p:pic>
+      <p:pic>
+        <p:nvPicPr>
+          <p:cNvPr id="12" name="Graphic 11" descr="Smiling face with no fill">
+            <a:extLst>
+              <a:ext uri="{FF2B5EF4-FFF2-40B4-BE49-F238E27FC236}">
+                <a16:creationId xmlns:a16="http://schemas.microsoft.com/office/drawing/2014/main" id="{5B1C023F-09F6-4C05-8A21-6AAC6FB2D7B3}"/>
+              </a:ext>
+            </a:extLst>
+          </p:cNvPr>
+          <p:cNvPicPr>
+            <a:picLocks noChangeAspect="1"/>
+          </p:cNvPicPr>
+          <p:nvPr/>
+        </p:nvPicPr>
+        <p:blipFill>
+          <a:blip r:embed="rId2">
+            <a:extLst>
+              <a:ext uri="{28A0092B-C50C-407E-A947-70E740481C1C}">
+                <a14:useLocalDpi xmlns:a14="http://schemas.microsoft.com/office/drawing/2010/main" val="0"/>
+              </a:ext>
+              <a:ext uri="{96DAC541-7B7A-43D3-8B79-37D633B846F1}">
+                <asvg:svgBlip xmlns:asvg="http://schemas.microsoft.com/office/drawing/2016/SVG/main" r:embed="rId3"/>
+              </a:ext>
+            </a:extLst>
+          </a:blip>
+          <a:stretch>
+            <a:fillRect/>
+          </a:stretch>
+        </p:blipFill>
+        <p:spPr>
+          <a:xfrm>
+            <a:off x="2759978" y="1179353"/>
+            <a:ext cx="317384" cy="317384"/>
+          </a:xfrm>
+          <a:prstGeom prst="rect">
+            <a:avLst/>
+          </a:prstGeom>
+        </p:spPr>
+      </p:pic>
+      <p:pic>
+        <p:nvPicPr>
+          <p:cNvPr id="13" name="Graphic 12" descr="Smiling face with no fill">
+            <a:extLst>
+              <a:ext uri="{FF2B5EF4-FFF2-40B4-BE49-F238E27FC236}">
+                <a16:creationId xmlns:a16="http://schemas.microsoft.com/office/drawing/2014/main" id="{CD78A04F-DA85-47C3-845E-025A9FB3C148}"/>
+              </a:ext>
+            </a:extLst>
+          </p:cNvPr>
+          <p:cNvPicPr>
+            <a:picLocks noChangeAspect="1"/>
+          </p:cNvPicPr>
+          <p:nvPr/>
+        </p:nvPicPr>
+        <p:blipFill>
+          <a:blip r:embed="rId2">
+            <a:extLst>
+              <a:ext uri="{28A0092B-C50C-407E-A947-70E740481C1C}">
+                <a14:useLocalDpi xmlns:a14="http://schemas.microsoft.com/office/drawing/2010/main" val="0"/>
+              </a:ext>
+              <a:ext uri="{96DAC541-7B7A-43D3-8B79-37D633B846F1}">
+                <asvg:svgBlip xmlns:asvg="http://schemas.microsoft.com/office/drawing/2016/SVG/main" r:embed="rId3"/>
+              </a:ext>
+            </a:extLst>
+          </a:blip>
+          <a:stretch>
+            <a:fillRect/>
+          </a:stretch>
+        </p:blipFill>
+        <p:spPr>
+          <a:xfrm>
+            <a:off x="1408652" y="287674"/>
+            <a:ext cx="317384" cy="317384"/>
+          </a:xfrm>
+          <a:prstGeom prst="rect">
+            <a:avLst/>
+          </a:prstGeom>
+        </p:spPr>
+      </p:pic>
+      <p:pic>
+        <p:nvPicPr>
+          <p:cNvPr id="14" name="Graphic 13" descr="Smiling face with no fill">
+            <a:extLst>
+              <a:ext uri="{FF2B5EF4-FFF2-40B4-BE49-F238E27FC236}">
+                <a16:creationId xmlns:a16="http://schemas.microsoft.com/office/drawing/2014/main" id="{EFE1E0D4-8C1D-4054-B9AD-219D76C9C033}"/>
+              </a:ext>
+            </a:extLst>
+          </p:cNvPr>
+          <p:cNvPicPr>
+            <a:picLocks noChangeAspect="1"/>
+          </p:cNvPicPr>
+          <p:nvPr/>
+        </p:nvPicPr>
+        <p:blipFill>
+          <a:blip r:embed="rId2">
+            <a:extLst>
+              <a:ext uri="{28A0092B-C50C-407E-A947-70E740481C1C}">
+                <a14:useLocalDpi xmlns:a14="http://schemas.microsoft.com/office/drawing/2010/main" val="0"/>
+              </a:ext>
+              <a:ext uri="{96DAC541-7B7A-43D3-8B79-37D633B846F1}">
+                <asvg:svgBlip xmlns:asvg="http://schemas.microsoft.com/office/drawing/2016/SVG/main" r:embed="rId3"/>
+              </a:ext>
+            </a:extLst>
+          </a:blip>
+          <a:stretch>
+            <a:fillRect/>
+          </a:stretch>
+        </p:blipFill>
+        <p:spPr>
+          <a:xfrm>
+            <a:off x="1091268" y="554023"/>
+            <a:ext cx="317384" cy="317384"/>
+          </a:xfrm>
+          <a:prstGeom prst="rect">
+            <a:avLst/>
+          </a:prstGeom>
+        </p:spPr>
+      </p:pic>
+      <p:pic>
+        <p:nvPicPr>
+          <p:cNvPr id="15" name="Graphic 14" descr="Smiling face with no fill">
+            <a:extLst>
+              <a:ext uri="{FF2B5EF4-FFF2-40B4-BE49-F238E27FC236}">
+                <a16:creationId xmlns:a16="http://schemas.microsoft.com/office/drawing/2014/main" id="{FE18E67F-1EFE-4F6F-A49B-B0486D184DF7}"/>
+              </a:ext>
+            </a:extLst>
+          </p:cNvPr>
+          <p:cNvPicPr>
+            <a:picLocks noChangeAspect="1"/>
+          </p:cNvPicPr>
+          <p:nvPr/>
+        </p:nvPicPr>
+        <p:blipFill>
+          <a:blip r:embed="rId2">
+            <a:extLst>
+              <a:ext uri="{28A0092B-C50C-407E-A947-70E740481C1C}">
+                <a14:useLocalDpi xmlns:a14="http://schemas.microsoft.com/office/drawing/2010/main" val="0"/>
+              </a:ext>
+              <a:ext uri="{96DAC541-7B7A-43D3-8B79-37D633B846F1}">
+                <asvg:svgBlip xmlns:asvg="http://schemas.microsoft.com/office/drawing/2016/SVG/main" r:embed="rId3"/>
+              </a:ext>
+            </a:extLst>
+          </a:blip>
+          <a:stretch>
+            <a:fillRect/>
+          </a:stretch>
+        </p:blipFill>
+        <p:spPr>
+          <a:xfrm>
+            <a:off x="1469471" y="460346"/>
+            <a:ext cx="317384" cy="317384"/>
+          </a:xfrm>
+          <a:prstGeom prst="rect">
+            <a:avLst/>
+          </a:prstGeom>
+        </p:spPr>
+      </p:pic>
+      <p:pic>
+        <p:nvPicPr>
+          <p:cNvPr id="16" name="Graphic 15" descr="Smiling face with no fill">
+            <a:extLst>
+              <a:ext uri="{FF2B5EF4-FFF2-40B4-BE49-F238E27FC236}">
+                <a16:creationId xmlns:a16="http://schemas.microsoft.com/office/drawing/2014/main" id="{2132CA7A-189C-4660-A645-E8E507894A68}"/>
+              </a:ext>
+            </a:extLst>
+          </p:cNvPr>
+          <p:cNvPicPr>
+            <a:picLocks noChangeAspect="1"/>
+          </p:cNvPicPr>
+          <p:nvPr/>
+        </p:nvPicPr>
+        <p:blipFill>
+          <a:blip r:embed="rId2">
+            <a:extLst>
+              <a:ext uri="{28A0092B-C50C-407E-A947-70E740481C1C}">
+                <a14:useLocalDpi xmlns:a14="http://schemas.microsoft.com/office/drawing/2010/main" val="0"/>
+              </a:ext>
+              <a:ext uri="{96DAC541-7B7A-43D3-8B79-37D633B846F1}">
+                <asvg:svgBlip xmlns:asvg="http://schemas.microsoft.com/office/drawing/2016/SVG/main" r:embed="rId3"/>
+              </a:ext>
+            </a:extLst>
+          </a:blip>
+          <a:stretch>
+            <a:fillRect/>
+          </a:stretch>
+        </p:blipFill>
+        <p:spPr>
+          <a:xfrm>
+            <a:off x="1224094" y="262331"/>
+            <a:ext cx="317384" cy="317384"/>
+          </a:xfrm>
+          <a:prstGeom prst="rect">
+            <a:avLst/>
+          </a:prstGeom>
+        </p:spPr>
+      </p:pic>
+      <p:sp>
+        <p:nvSpPr>
+          <p:cNvPr id="17" name="Oval 16">
+            <a:extLst>
+              <a:ext uri="{FF2B5EF4-FFF2-40B4-BE49-F238E27FC236}">
+                <a16:creationId xmlns:a16="http://schemas.microsoft.com/office/drawing/2014/main" id="{D6781902-5DAA-431F-AA4B-2005476325F4}"/>
+              </a:ext>
+            </a:extLst>
+          </p:cNvPr>
+          <p:cNvSpPr/>
+          <p:nvPr/>
+        </p:nvSpPr>
+        <p:spPr>
+          <a:xfrm>
+            <a:off x="6384721" y="199587"/>
+            <a:ext cx="679510" cy="708871"/>
+          </a:xfrm>
+          <a:prstGeom prst="ellipse">
+            <a:avLst/>
+          </a:prstGeom>
+        </p:spPr>
+        <p:style>
+          <a:lnRef idx="2">
+            <a:schemeClr val="accent1">
+              <a:shade val="50000"/>
+            </a:schemeClr>
+          </a:lnRef>
+          <a:fillRef idx="1">
+            <a:schemeClr val="accent1"/>
+          </a:fillRef>
+          <a:effectRef idx="0">
+            <a:schemeClr val="accent1"/>
+          </a:effectRef>
+          <a:fontRef idx="minor">
+            <a:schemeClr val="lt1"/>
+          </a:fontRef>
+        </p:style>
+        <p:txBody>
+          <a:bodyPr rtlCol="0" anchor="ctr"/>
+          <a:lstStyle/>
+          <a:p>
+            <a:pPr algn="ctr"/>
+            <a:r>
+              <a:rPr lang="en-US" dirty="0"/>
+              <a:t>G</a:t>
+            </a:r>
+          </a:p>
+        </p:txBody>
+      </p:sp>
+      <p:sp>
+        <p:nvSpPr>
+          <p:cNvPr id="18" name="Oval 17">
+            <a:extLst>
+              <a:ext uri="{FF2B5EF4-FFF2-40B4-BE49-F238E27FC236}">
+                <a16:creationId xmlns:a16="http://schemas.microsoft.com/office/drawing/2014/main" id="{B86E43B0-44E8-451F-BB2B-45FFA1769714}"/>
+              </a:ext>
+            </a:extLst>
+          </p:cNvPr>
+          <p:cNvSpPr/>
+          <p:nvPr/>
+        </p:nvSpPr>
+        <p:spPr>
+          <a:xfrm>
+            <a:off x="5327009" y="234365"/>
+            <a:ext cx="679509" cy="708871"/>
+          </a:xfrm>
+          <a:prstGeom prst="ellipse">
+            <a:avLst/>
+          </a:prstGeom>
+        </p:spPr>
+        <p:style>
+          <a:lnRef idx="2">
+            <a:schemeClr val="accent1">
+              <a:shade val="50000"/>
+            </a:schemeClr>
+          </a:lnRef>
+          <a:fillRef idx="1">
+            <a:schemeClr val="accent1"/>
+          </a:fillRef>
+          <a:effectRef idx="0">
+            <a:schemeClr val="accent1"/>
+          </a:effectRef>
+          <a:fontRef idx="minor">
+            <a:schemeClr val="lt1"/>
+          </a:fontRef>
+        </p:style>
+        <p:txBody>
+          <a:bodyPr rtlCol="0" anchor="ctr"/>
+          <a:lstStyle/>
+          <a:p>
+            <a:pPr algn="ctr"/>
+            <a:r>
+              <a:rPr lang="en-US" dirty="0"/>
+              <a:t>G</a:t>
+            </a:r>
+          </a:p>
+        </p:txBody>
+      </p:sp>
+      <p:pic>
+        <p:nvPicPr>
+          <p:cNvPr id="19" name="Graphic 18" descr="Smiling face with no fill">
+            <a:extLst>
+              <a:ext uri="{FF2B5EF4-FFF2-40B4-BE49-F238E27FC236}">
+                <a16:creationId xmlns:a16="http://schemas.microsoft.com/office/drawing/2014/main" id="{2EF4CB13-D67A-48F7-832D-67D609D4D17A}"/>
+              </a:ext>
+            </a:extLst>
+          </p:cNvPr>
+          <p:cNvPicPr>
+            <a:picLocks noChangeAspect="1"/>
+          </p:cNvPicPr>
+          <p:nvPr/>
+        </p:nvPicPr>
+        <p:blipFill>
+          <a:blip r:embed="rId2">
+            <a:extLst>
+              <a:ext uri="{28A0092B-C50C-407E-A947-70E740481C1C}">
+                <a14:useLocalDpi xmlns:a14="http://schemas.microsoft.com/office/drawing/2010/main" val="0"/>
+              </a:ext>
+              <a:ext uri="{96DAC541-7B7A-43D3-8B79-37D633B846F1}">
+                <asvg:svgBlip xmlns:asvg="http://schemas.microsoft.com/office/drawing/2016/SVG/main" r:embed="rId3"/>
+              </a:ext>
+            </a:extLst>
+          </a:blip>
+          <a:stretch>
+            <a:fillRect/>
+          </a:stretch>
+        </p:blipFill>
+        <p:spPr>
+          <a:xfrm>
+            <a:off x="3869422" y="1179353"/>
+            <a:ext cx="317384" cy="317384"/>
+          </a:xfrm>
+          <a:prstGeom prst="rect">
+            <a:avLst/>
+          </a:prstGeom>
+        </p:spPr>
+      </p:pic>
+      <p:sp>
+        <p:nvSpPr>
+          <p:cNvPr id="20" name="Rectangle 19">
+            <a:extLst>
+              <a:ext uri="{FF2B5EF4-FFF2-40B4-BE49-F238E27FC236}">
+                <a16:creationId xmlns:a16="http://schemas.microsoft.com/office/drawing/2014/main" id="{70A00959-48E4-47E9-92BA-A3A3C1385DE8}"/>
+              </a:ext>
+            </a:extLst>
+          </p:cNvPr>
+          <p:cNvSpPr/>
+          <p:nvPr/>
+        </p:nvSpPr>
+        <p:spPr>
+          <a:xfrm>
+            <a:off x="1377893" y="1753299"/>
+            <a:ext cx="568353" cy="532702"/>
+          </a:xfrm>
+          <a:prstGeom prst="rect">
+            <a:avLst/>
+          </a:prstGeom>
+        </p:spPr>
+        <p:style>
+          <a:lnRef idx="2">
+            <a:schemeClr val="accent1">
+              <a:shade val="50000"/>
+            </a:schemeClr>
+          </a:lnRef>
+          <a:fillRef idx="1">
+            <a:schemeClr val="accent1"/>
+          </a:fillRef>
+          <a:effectRef idx="0">
+            <a:schemeClr val="accent1"/>
+          </a:effectRef>
+          <a:fontRef idx="minor">
+            <a:schemeClr val="lt1"/>
+          </a:fontRef>
+        </p:style>
+        <p:txBody>
+          <a:bodyPr rtlCol="0" anchor="ctr"/>
+          <a:lstStyle/>
+          <a:p>
+            <a:pPr algn="ctr"/>
+            <a:endParaRPr lang="en-US"/>
+          </a:p>
+        </p:txBody>
+      </p:sp>
+    </p:spTree>
+    <p:extLst>
+      <p:ext uri="{BB962C8B-B14F-4D97-AF65-F5344CB8AC3E}">
+        <p14:creationId xmlns:p14="http://schemas.microsoft.com/office/powerpoint/2010/main" val="1633569109"/>
+      </p:ext>
+    </p:extLst>
+  </p:cSld>
+  <p:clrMapOvr>
+    <a:masterClrMapping/>
+  </p:clrMapOvr>
+</p:sld>
+</file>
+
 <file path=ppt/slides/slide2.xml><?xml version="1.0" encoding="utf-8"?>
 <p:sld xmlns:a="http://schemas.openxmlformats.org/drawingml/2006/main" xmlns:r="http://schemas.openxmlformats.org/officeDocument/2006/relationships" xmlns:p="http://schemas.openxmlformats.org/presentationml/2006/main">
   <p:cSld>
